--- a/econometricsintro/ch4/figures/fig.pptx
+++ b/econometricsintro/ch4/figures/fig.pptx
@@ -244,7 +244,7 @@
           <a:p>
             <a:fld id="{B26D6436-77DC-4CC2-B32D-0E626F0F305A}" type="datetimeFigureOut">
               <a:rPr lang="en-US" smtClean="0"/>
-              <a:t>03/21/19</a:t>
+              <a:t>03/22/19</a:t>
             </a:fld>
             <a:endParaRPr lang="en-US"/>
           </a:p>
@@ -414,7 +414,7 @@
           <a:p>
             <a:fld id="{B26D6436-77DC-4CC2-B32D-0E626F0F305A}" type="datetimeFigureOut">
               <a:rPr lang="en-US" smtClean="0"/>
-              <a:t>03/21/19</a:t>
+              <a:t>03/22/19</a:t>
             </a:fld>
             <a:endParaRPr lang="en-US"/>
           </a:p>
@@ -594,7 +594,7 @@
           <a:p>
             <a:fld id="{B26D6436-77DC-4CC2-B32D-0E626F0F305A}" type="datetimeFigureOut">
               <a:rPr lang="en-US" smtClean="0"/>
-              <a:t>03/21/19</a:t>
+              <a:t>03/22/19</a:t>
             </a:fld>
             <a:endParaRPr lang="en-US"/>
           </a:p>
@@ -764,7 +764,7 @@
           <a:p>
             <a:fld id="{B26D6436-77DC-4CC2-B32D-0E626F0F305A}" type="datetimeFigureOut">
               <a:rPr lang="en-US" smtClean="0"/>
-              <a:t>03/21/19</a:t>
+              <a:t>03/22/19</a:t>
             </a:fld>
             <a:endParaRPr lang="en-US"/>
           </a:p>
@@ -1010,7 +1010,7 @@
           <a:p>
             <a:fld id="{B26D6436-77DC-4CC2-B32D-0E626F0F305A}" type="datetimeFigureOut">
               <a:rPr lang="en-US" smtClean="0"/>
-              <a:t>03/21/19</a:t>
+              <a:t>03/22/19</a:t>
             </a:fld>
             <a:endParaRPr lang="en-US"/>
           </a:p>
@@ -1242,7 +1242,7 @@
           <a:p>
             <a:fld id="{B26D6436-77DC-4CC2-B32D-0E626F0F305A}" type="datetimeFigureOut">
               <a:rPr lang="en-US" smtClean="0"/>
-              <a:t>03/21/19</a:t>
+              <a:t>03/22/19</a:t>
             </a:fld>
             <a:endParaRPr lang="en-US"/>
           </a:p>
@@ -1609,7 +1609,7 @@
           <a:p>
             <a:fld id="{B26D6436-77DC-4CC2-B32D-0E626F0F305A}" type="datetimeFigureOut">
               <a:rPr lang="en-US" smtClean="0"/>
-              <a:t>03/21/19</a:t>
+              <a:t>03/22/19</a:t>
             </a:fld>
             <a:endParaRPr lang="en-US"/>
           </a:p>
@@ -1727,7 +1727,7 @@
           <a:p>
             <a:fld id="{B26D6436-77DC-4CC2-B32D-0E626F0F305A}" type="datetimeFigureOut">
               <a:rPr lang="en-US" smtClean="0"/>
-              <a:t>03/21/19</a:t>
+              <a:t>03/22/19</a:t>
             </a:fld>
             <a:endParaRPr lang="en-US"/>
           </a:p>
@@ -1822,7 +1822,7 @@
           <a:p>
             <a:fld id="{B26D6436-77DC-4CC2-B32D-0E626F0F305A}" type="datetimeFigureOut">
               <a:rPr lang="en-US" smtClean="0"/>
-              <a:t>03/21/19</a:t>
+              <a:t>03/22/19</a:t>
             </a:fld>
             <a:endParaRPr lang="en-US"/>
           </a:p>
@@ -2099,7 +2099,7 @@
           <a:p>
             <a:fld id="{B26D6436-77DC-4CC2-B32D-0E626F0F305A}" type="datetimeFigureOut">
               <a:rPr lang="en-US" smtClean="0"/>
-              <a:t>03/21/19</a:t>
+              <a:t>03/22/19</a:t>
             </a:fld>
             <a:endParaRPr lang="en-US"/>
           </a:p>
@@ -2352,7 +2352,7 @@
           <a:p>
             <a:fld id="{B26D6436-77DC-4CC2-B32D-0E626F0F305A}" type="datetimeFigureOut">
               <a:rPr lang="en-US" smtClean="0"/>
-              <a:t>03/21/19</a:t>
+              <a:t>03/22/19</a:t>
             </a:fld>
             <a:endParaRPr lang="en-US"/>
           </a:p>
@@ -2565,7 +2565,7 @@
           <a:p>
             <a:fld id="{B26D6436-77DC-4CC2-B32D-0E626F0F305A}" type="datetimeFigureOut">
               <a:rPr lang="en-US" smtClean="0"/>
-              <a:t>03/21/19</a:t>
+              <a:t>03/22/19</a:t>
             </a:fld>
             <a:endParaRPr lang="en-US"/>
           </a:p>
@@ -3627,16 +3627,16 @@
       </p:grpSpPr>
       <p:grpSp>
         <p:nvGrpSpPr>
-          <p:cNvPr id="33" name="组合 32"/>
+          <p:cNvPr id="3" name="组合 2"/>
           <p:cNvGrpSpPr/>
           <p:nvPr/>
         </p:nvGrpSpPr>
         <p:grpSpPr>
           <a:xfrm>
             <a:off x="1499240" y="1659922"/>
-            <a:ext cx="8397171" cy="2624744"/>
+            <a:ext cx="9108445" cy="2624744"/>
             <a:chOff x="1499240" y="1659922"/>
-            <a:chExt cx="8397171" cy="2624744"/>
+            <a:chExt cx="9108445" cy="2624744"/>
           </a:xfrm>
         </p:grpSpPr>
         <p:sp>
@@ -3686,14 +3686,7 @@
                   <a:latin typeface="SimSun" panose="02010600030101010101" pitchFamily="2" charset="-122"/>
                   <a:ea typeface="SimSun" panose="02010600030101010101" pitchFamily="2" charset="-122"/>
                 </a:rPr>
-                <a:t>变</a:t>
-              </a:r>
-              <a:r>
-                <a:rPr lang="zh-CN" altLang="en-US" b="1" dirty="0" smtClean="0">
-                  <a:latin typeface="SimSun" panose="02010600030101010101" pitchFamily="2" charset="-122"/>
-                  <a:ea typeface="SimSun" panose="02010600030101010101" pitchFamily="2" charset="-122"/>
-                </a:rPr>
-                <a:t>量</a:t>
+                <a:t>变量</a:t>
               </a:r>
               <a:endParaRPr lang="en-US" b="1" dirty="0">
                 <a:latin typeface="SimSun" panose="02010600030101010101" pitchFamily="2" charset="-122"/>
@@ -3739,14 +3732,7 @@
                   <a:latin typeface="SimSun" panose="02010600030101010101" pitchFamily="2" charset="-122"/>
                   <a:ea typeface="SimSun" panose="02010600030101010101" pitchFamily="2" charset="-122"/>
                 </a:rPr>
-                <a:t>名义变</a:t>
-              </a:r>
-              <a:r>
-                <a:rPr lang="zh-CN" altLang="en-US" b="1" dirty="0" smtClean="0">
-                  <a:latin typeface="SimSun" panose="02010600030101010101" pitchFamily="2" charset="-122"/>
-                  <a:ea typeface="SimSun" panose="02010600030101010101" pitchFamily="2" charset="-122"/>
-                </a:rPr>
-                <a:t>量</a:t>
+                <a:t>名义变量</a:t>
               </a:r>
               <a:endParaRPr lang="en-US" b="1" dirty="0">
                 <a:latin typeface="SimSun" panose="02010600030101010101" pitchFamily="2" charset="-122"/>
@@ -3795,17 +3781,7 @@
                   <a:latin typeface="SimSun" panose="02010600030101010101" pitchFamily="2" charset="-122"/>
                   <a:ea typeface="SimSun" panose="02010600030101010101" pitchFamily="2" charset="-122"/>
                 </a:rPr>
-                <a:t>类变</a:t>
-              </a:r>
-              <a:r>
-                <a:rPr lang="zh-CN" altLang="en-US" b="1" dirty="0" smtClean="0">
-                  <a:solidFill>
-                    <a:srgbClr val="FF0000"/>
-                  </a:solidFill>
-                  <a:latin typeface="SimSun" panose="02010600030101010101" pitchFamily="2" charset="-122"/>
-                  <a:ea typeface="SimSun" panose="02010600030101010101" pitchFamily="2" charset="-122"/>
-                </a:rPr>
-                <a:t>量</a:t>
+                <a:t>类变量</a:t>
               </a:r>
               <a:endParaRPr lang="en-US" b="1" dirty="0">
                 <a:solidFill>
@@ -3854,14 +3830,7 @@
                   <a:latin typeface="SimSun" panose="02010600030101010101" pitchFamily="2" charset="-122"/>
                   <a:ea typeface="SimSun" panose="02010600030101010101" pitchFamily="2" charset="-122"/>
                 </a:rPr>
-                <a:t>名义变</a:t>
-              </a:r>
-              <a:r>
-                <a:rPr lang="zh-CN" altLang="en-US" b="1" dirty="0" smtClean="0">
-                  <a:latin typeface="SimSun" panose="02010600030101010101" pitchFamily="2" charset="-122"/>
-                  <a:ea typeface="SimSun" panose="02010600030101010101" pitchFamily="2" charset="-122"/>
-                </a:rPr>
-                <a:t>量</a:t>
+                <a:t>名义变量</a:t>
               </a:r>
               <a:endParaRPr lang="en-US" b="1" dirty="0">
                 <a:latin typeface="SimSun" panose="02010600030101010101" pitchFamily="2" charset="-122"/>
@@ -3878,8 +3847,8 @@
           </p:nvSpPr>
           <p:spPr>
             <a:xfrm>
-              <a:off x="8661778" y="2868664"/>
-              <a:ext cx="1234633" cy="369332"/>
+              <a:off x="9021995" y="2868664"/>
+              <a:ext cx="1585690" cy="369332"/>
             </a:xfrm>
             <a:prstGeom prst="rect">
               <a:avLst/>
@@ -3893,16 +3862,6 @@
             <a:lstStyle/>
             <a:p>
               <a:r>
-                <a:rPr lang="en-US" altLang="zh-CN" b="1" dirty="0">
-                  <a:solidFill>
-                    <a:srgbClr val="FF0000"/>
-                  </a:solidFill>
-                  <a:latin typeface="SimSun" panose="02010600030101010101" pitchFamily="2" charset="-122"/>
-                  <a:ea typeface="SimSun" panose="02010600030101010101" pitchFamily="2" charset="-122"/>
-                </a:rPr>
-                <a:t>l</a:t>
-              </a:r>
-              <a:r>
                 <a:rPr lang="en-US" altLang="zh-CN" b="1" dirty="0" smtClean="0">
                   <a:solidFill>
                     <a:srgbClr val="FF0000"/>
@@ -3910,7 +3869,7 @@
                   <a:latin typeface="SimSun" panose="02010600030101010101" pitchFamily="2" charset="-122"/>
                   <a:ea typeface="SimSun" panose="02010600030101010101" pitchFamily="2" charset="-122"/>
                 </a:rPr>
-                <a:t>ogit</a:t>
+                <a:t>logistic</a:t>
               </a:r>
               <a:r>
                 <a:rPr lang="zh-CN" altLang="en-US" b="1" dirty="0" smtClean="0">
@@ -3920,7 +3879,7 @@
                   <a:latin typeface="SimSun" panose="02010600030101010101" pitchFamily="2" charset="-122"/>
                   <a:ea typeface="SimSun" panose="02010600030101010101" pitchFamily="2" charset="-122"/>
                 </a:rPr>
-                <a:t>模型</a:t>
+                <a:t>回归</a:t>
               </a:r>
               <a:endParaRPr lang="en-US" b="1" dirty="0">
                 <a:solidFill>
@@ -3941,7 +3900,7 @@
           <p:spPr>
             <a:xfrm>
               <a:off x="6497403" y="1659922"/>
-              <a:ext cx="1699504" cy="369332"/>
+              <a:ext cx="2050561" cy="369332"/>
             </a:xfrm>
             <a:prstGeom prst="rect">
               <a:avLst/>
@@ -3969,14 +3928,14 @@
                   <a:latin typeface="SimSun" panose="02010600030101010101" pitchFamily="2" charset="-122"/>
                   <a:ea typeface="SimSun" panose="02010600030101010101" pitchFamily="2" charset="-122"/>
                 </a:rPr>
-                <a:t>logit</a:t>
-              </a:r>
-              <a:r>
-                <a:rPr lang="zh-CN" altLang="en-US" b="1" dirty="0" smtClean="0">
-                  <a:latin typeface="SimSun" panose="02010600030101010101" pitchFamily="2" charset="-122"/>
-                  <a:ea typeface="SimSun" panose="02010600030101010101" pitchFamily="2" charset="-122"/>
-                </a:rPr>
-                <a:t>模型</a:t>
+                <a:t>logistic</a:t>
+              </a:r>
+              <a:r>
+                <a:rPr lang="zh-CN" altLang="en-US" b="1" dirty="0">
+                  <a:latin typeface="SimSun" panose="02010600030101010101" pitchFamily="2" charset="-122"/>
+                  <a:ea typeface="SimSun" panose="02010600030101010101" pitchFamily="2" charset="-122"/>
+                </a:rPr>
+                <a:t>回归</a:t>
               </a:r>
               <a:endParaRPr lang="en-US" b="1" dirty="0">
                 <a:latin typeface="SimSun" panose="02010600030101010101" pitchFamily="2" charset="-122"/>
@@ -3994,7 +3953,7 @@
           <p:spPr>
             <a:xfrm>
               <a:off x="6497403" y="2813253"/>
-              <a:ext cx="1699504" cy="369332"/>
+              <a:ext cx="2050561" cy="369332"/>
             </a:xfrm>
             <a:prstGeom prst="rect">
               <a:avLst/>
@@ -4032,14 +3991,14 @@
                   <a:latin typeface="SimSun" panose="02010600030101010101" pitchFamily="2" charset="-122"/>
                   <a:ea typeface="SimSun" panose="02010600030101010101" pitchFamily="2" charset="-122"/>
                 </a:rPr>
-                <a:t>logit</a:t>
+                <a:t>logistic</a:t>
               </a:r>
               <a:r>
                 <a:rPr lang="zh-CN" altLang="en-US" b="1" dirty="0" smtClean="0">
                   <a:latin typeface="SimSun" panose="02010600030101010101" pitchFamily="2" charset="-122"/>
                   <a:ea typeface="SimSun" panose="02010600030101010101" pitchFamily="2" charset="-122"/>
                 </a:rPr>
-                <a:t>模型</a:t>
+                <a:t>回归</a:t>
               </a:r>
               <a:endParaRPr lang="en-US" b="1" dirty="0">
                 <a:latin typeface="SimSun" panose="02010600030101010101" pitchFamily="2" charset="-122"/>
@@ -4057,7 +4016,7 @@
           <p:spPr>
             <a:xfrm>
               <a:off x="6497403" y="3915334"/>
-              <a:ext cx="1699504" cy="369332"/>
+              <a:ext cx="2050561" cy="369332"/>
             </a:xfrm>
             <a:prstGeom prst="rect">
               <a:avLst/>
@@ -4078,21 +4037,31 @@
                   <a:latin typeface="SimSun" panose="02010600030101010101" pitchFamily="2" charset="-122"/>
                   <a:ea typeface="SimSun" panose="02010600030101010101" pitchFamily="2" charset="-122"/>
                 </a:rPr>
-                <a:t>次序</a:t>
-              </a:r>
-              <a:r>
-                <a:rPr lang="en-US" altLang="zh-CN" b="1" dirty="0" smtClean="0">
-                  <a:latin typeface="SimSun" panose="02010600030101010101" pitchFamily="2" charset="-122"/>
-                  <a:ea typeface="SimSun" panose="02010600030101010101" pitchFamily="2" charset="-122"/>
-                </a:rPr>
-                <a:t>logit</a:t>
+                <a:t>次</a:t>
               </a:r>
               <a:r>
                 <a:rPr lang="zh-CN" altLang="en-US" b="1" dirty="0" smtClean="0">
-                  <a:latin typeface="SimSun" panose="02010600030101010101" pitchFamily="2" charset="-122"/>
-                  <a:ea typeface="SimSun" panose="02010600030101010101" pitchFamily="2" charset="-122"/>
-                </a:rPr>
-                <a:t>模型</a:t>
+                  <a:solidFill>
+                    <a:schemeClr val="accent1"/>
+                  </a:solidFill>
+                  <a:latin typeface="SimSun" panose="02010600030101010101" pitchFamily="2" charset="-122"/>
+                  <a:ea typeface="SimSun" panose="02010600030101010101" pitchFamily="2" charset="-122"/>
+                </a:rPr>
+                <a:t>序</a:t>
+              </a:r>
+              <a:r>
+                <a:rPr lang="en-US" altLang="zh-CN" b="1" dirty="0">
+                  <a:latin typeface="SimSun" panose="02010600030101010101" pitchFamily="2" charset="-122"/>
+                  <a:ea typeface="SimSun" panose="02010600030101010101" pitchFamily="2" charset="-122"/>
+                </a:rPr>
+                <a:t>logistic</a:t>
+              </a:r>
+              <a:r>
+                <a:rPr lang="zh-CN" altLang="en-US" b="1" dirty="0">
+                  <a:latin typeface="SimSun" panose="02010600030101010101" pitchFamily="2" charset="-122"/>
+                  <a:ea typeface="SimSun" panose="02010600030101010101" pitchFamily="2" charset="-122"/>
+                </a:rPr>
+                <a:t>回归</a:t>
               </a:r>
               <a:endParaRPr lang="en-US" b="1" dirty="0">
                 <a:latin typeface="SimSun" panose="02010600030101010101" pitchFamily="2" charset="-122"/>
@@ -4147,7 +4116,7 @@
           </p:nvSpPr>
           <p:spPr>
             <a:xfrm>
-              <a:off x="8196907" y="1902693"/>
+              <a:off x="8557124" y="1902693"/>
               <a:ext cx="337495" cy="2262907"/>
             </a:xfrm>
             <a:prstGeom prst="rightBrace">
